--- a/docs/TSEA29-presentation-v.01.pptx
+++ b/docs/TSEA29-presentation-v.01.pptx
@@ -4621,15 +4621,7 @@
           <a:p>
             <a:r>
               <a:rPr lang="sv-SE" dirty="0" smtClean="0"/>
-              <a:t>Målsökningsenheten – </a:t>
-            </a:r>
-            <a:r>
-              <a:rPr lang="sv-SE" dirty="0" smtClean="0"/>
-              <a:t>”Hjärnan</a:t>
-            </a:r>
-            <a:r>
-              <a:rPr lang="sv-SE" dirty="0" smtClean="0"/>
-              <a:t>”</a:t>
+              <a:t>Målsökningsenheten – ”Hjärnan”</a:t>
             </a:r>
             <a:endParaRPr lang="sv-SE" dirty="0"/>
           </a:p>
@@ -4976,15 +4968,7 @@
           <a:p>
             <a:r>
               <a:rPr lang="sv-SE" dirty="0" smtClean="0"/>
-              <a:t>Styrenheten – </a:t>
-            </a:r>
-            <a:r>
-              <a:rPr lang="sv-SE" dirty="0" smtClean="0"/>
-              <a:t>”Slaven</a:t>
-            </a:r>
-            <a:r>
-              <a:rPr lang="sv-SE" dirty="0" smtClean="0"/>
-              <a:t>”</a:t>
+              <a:t>Styrenheten – ”Slaven”</a:t>
             </a:r>
             <a:endParaRPr lang="sv-SE" dirty="0"/>
           </a:p>
@@ -5032,8 +5016,13 @@
             </a:pPr>
             <a:r>
               <a:rPr lang="sv-SE" dirty="0" smtClean="0"/>
-              <a:t>Två par Servomotorer</a:t>
-            </a:r>
+              <a:t>Två </a:t>
+            </a:r>
+            <a:r>
+              <a:rPr lang="sv-SE" smtClean="0"/>
+              <a:t>par motorer</a:t>
+            </a:r>
+            <a:endParaRPr lang="sv-SE" dirty="0" smtClean="0"/>
           </a:p>
           <a:p>
             <a:pPr>
@@ -6528,11 +6517,7 @@
             </a:pPr>
             <a:r>
               <a:rPr lang="sv-SE" dirty="0" smtClean="0"/>
-              <a:t>Kod</a:t>
-            </a:r>
-            <a:r>
-              <a:rPr lang="sv-SE" dirty="0" smtClean="0"/>
-              <a:t>: Java</a:t>
+              <a:t>Kod: Java</a:t>
             </a:r>
           </a:p>
         </p:txBody>
@@ -6742,41 +6727,21 @@
             </a:br>
             <a:r>
               <a:rPr lang="sv-SE" dirty="0" smtClean="0"/>
-              <a:t>	</a:t>
-            </a:r>
-            <a:r>
-              <a:rPr lang="sv-SE" dirty="0" smtClean="0"/>
-              <a:t>- Analysera</a:t>
-            </a:r>
-            <a:r>
-              <a:rPr lang="sv-SE" dirty="0" smtClean="0"/>
-              <a:t/>
+              <a:t>	- Analysera</a:t>
             </a:r>
             <a:br>
               <a:rPr lang="sv-SE" dirty="0" smtClean="0"/>
             </a:br>
             <a:r>
               <a:rPr lang="sv-SE" dirty="0" smtClean="0"/>
-              <a:t>	</a:t>
-            </a:r>
-            <a:r>
-              <a:rPr lang="sv-SE" dirty="0" smtClean="0"/>
-              <a:t>- Brainstorm</a:t>
-            </a:r>
-            <a:r>
-              <a:rPr lang="sv-SE" dirty="0" smtClean="0"/>
-              <a:t/>
+              <a:t>	- Brainstorm</a:t>
             </a:r>
             <a:br>
               <a:rPr lang="sv-SE" dirty="0" smtClean="0"/>
             </a:br>
             <a:r>
               <a:rPr lang="sv-SE" dirty="0" smtClean="0"/>
-              <a:t>	</a:t>
-            </a:r>
-            <a:r>
-              <a:rPr lang="sv-SE" dirty="0" smtClean="0"/>
-              <a:t>- Åtgärda</a:t>
+              <a:t>	- Åtgärda</a:t>
             </a:r>
             <a:endParaRPr lang="sv-SE" dirty="0"/>
           </a:p>
@@ -6794,11 +6759,7 @@
             </a:pPr>
             <a:r>
               <a:rPr lang="sv-SE" sz="3600" dirty="0" smtClean="0"/>
-              <a:t>Testa</a:t>
-            </a:r>
-            <a:r>
-              <a:rPr lang="sv-SE" sz="3600" dirty="0" smtClean="0"/>
-              <a:t>, testa, testa!</a:t>
+              <a:t>Testa, testa, testa!</a:t>
             </a:r>
             <a:endParaRPr lang="sv-SE" sz="3600" dirty="0"/>
           </a:p>
@@ -6961,10 +6922,6 @@
               <a:rPr lang="sv-SE" dirty="0" smtClean="0"/>
               <a:t>En färdig produkt som uppfyller kravbild</a:t>
             </a:r>
-            <a:r>
-              <a:rPr lang="sv-SE" dirty="0" smtClean="0"/>
-              <a:t/>
-            </a:r>
             <a:br>
               <a:rPr lang="sv-SE" dirty="0" smtClean="0"/>
             </a:br>
@@ -6977,11 +6934,7 @@
             </a:pPr>
             <a:r>
               <a:rPr lang="sv-SE" dirty="0" smtClean="0"/>
-              <a:t>Leverans inom </a:t>
-            </a:r>
-            <a:r>
-              <a:rPr lang="sv-SE" dirty="0" smtClean="0"/>
-              <a:t>tidsram</a:t>
+              <a:t>Leverans inom tidsram</a:t>
             </a:r>
             <a:br>
               <a:rPr lang="sv-SE" dirty="0" smtClean="0"/>
@@ -6999,15 +6952,7 @@
             </a:pPr>
             <a:r>
               <a:rPr lang="sv-SE" dirty="0" smtClean="0"/>
-              <a:t>Som grupp mer</a:t>
-            </a:r>
-            <a:r>
-              <a:rPr lang="sv-SE" dirty="0" smtClean="0"/>
-              <a:t> erfarna och nöjda med produkte</a:t>
-            </a:r>
-            <a:r>
-              <a:rPr lang="sv-SE" dirty="0" smtClean="0"/>
-              <a:t>n</a:t>
+              <a:t>Som grupp mer erfarna och nöjda med produkten</a:t>
             </a:r>
           </a:p>
           <a:p>
@@ -7447,7 +7392,6 @@
               <a:rPr lang="sv-SE" dirty="0" smtClean="0"/>
               <a:t>Oändliga möjligheter</a:t>
             </a:r>
-            <a:endParaRPr lang="sv-SE" dirty="0" smtClean="0"/>
           </a:p>
           <a:p>
             <a:pPr>
@@ -8041,11 +7985,7 @@
             </a:pPr>
             <a:r>
               <a:rPr lang="sv-SE" u="sng" dirty="0" smtClean="0"/>
-              <a:t>Bakgrund</a:t>
-            </a:r>
-            <a:r>
-              <a:rPr lang="sv-SE" u="sng" dirty="0" smtClean="0"/>
-              <a:t>:</a:t>
+              <a:t>Bakgrund:</a:t>
             </a:r>
           </a:p>
           <a:p>
@@ -8061,26 +8001,14 @@
             </a:br>
             <a:r>
               <a:rPr lang="sv-SE" dirty="0" smtClean="0"/>
-              <a:t>	</a:t>
-            </a:r>
-            <a:r>
-              <a:rPr lang="sv-SE" dirty="0" smtClean="0"/>
-              <a:t>- TSEA29</a:t>
-            </a:r>
-            <a:r>
-              <a:rPr lang="sv-SE" dirty="0" smtClean="0"/>
-              <a:t/>
+              <a:t>	- TSEA29</a:t>
             </a:r>
             <a:br>
               <a:rPr lang="sv-SE" dirty="0" smtClean="0"/>
             </a:br>
             <a:r>
               <a:rPr lang="sv-SE" dirty="0" smtClean="0"/>
-              <a:t>	</a:t>
-            </a:r>
-            <a:r>
-              <a:rPr lang="sv-SE" dirty="0" smtClean="0"/>
-              <a:t>- 6 gruppmedlemmar</a:t>
+              <a:t>	- 6 gruppmedlemmar</a:t>
             </a:r>
           </a:p>
           <a:p>
@@ -8095,11 +8023,7 @@
             </a:pPr>
             <a:r>
               <a:rPr lang="sv-SE" u="sng" dirty="0" smtClean="0"/>
-              <a:t>Syfte</a:t>
-            </a:r>
-            <a:r>
-              <a:rPr lang="sv-SE" u="sng" dirty="0" smtClean="0"/>
-              <a:t>:</a:t>
+              <a:t>Syfte:</a:t>
             </a:r>
           </a:p>
           <a:p>
@@ -8115,46 +8039,14 @@
             </a:br>
             <a:r>
               <a:rPr lang="sv-SE" dirty="0" smtClean="0"/>
-              <a:t>	</a:t>
-            </a:r>
-            <a:r>
-              <a:rPr lang="sv-SE" dirty="0" smtClean="0"/>
-              <a:t>- Lära </a:t>
-            </a:r>
-            <a:r>
-              <a:rPr lang="sv-SE" dirty="0" smtClean="0"/>
-              <a:t>oss mer om </a:t>
-            </a:r>
-            <a:r>
-              <a:rPr lang="sv-SE" dirty="0" smtClean="0"/>
-              <a:t>mikroprocessorer</a:t>
-            </a:r>
-            <a:r>
-              <a:rPr lang="sv-SE" dirty="0" smtClean="0"/>
-              <a:t/>
+              <a:t>	- Lära oss mer om mikroprocessorer</a:t>
             </a:r>
             <a:br>
               <a:rPr lang="sv-SE" dirty="0" smtClean="0"/>
             </a:br>
             <a:r>
               <a:rPr lang="sv-SE" dirty="0" smtClean="0"/>
-              <a:t>	</a:t>
-            </a:r>
-            <a:r>
-              <a:rPr lang="sv-SE" dirty="0" smtClean="0"/>
-              <a:t>- A</a:t>
-            </a:r>
-            <a:r>
-              <a:rPr lang="sv-SE" dirty="0" smtClean="0"/>
-              <a:t>rbeta </a:t>
-            </a:r>
-            <a:r>
-              <a:rPr lang="sv-SE" dirty="0" smtClean="0"/>
-              <a:t>i större </a:t>
-            </a:r>
-            <a:r>
-              <a:rPr lang="sv-SE" dirty="0" smtClean="0"/>
-              <a:t>projekt</a:t>
+              <a:t>	- Arbeta i större projekt</a:t>
             </a:r>
           </a:p>
           <a:p>
@@ -8169,11 +8061,7 @@
             </a:pPr>
             <a:r>
               <a:rPr lang="sv-SE" u="sng" dirty="0" smtClean="0"/>
-              <a:t>Uppdrag</a:t>
-            </a:r>
-            <a:r>
-              <a:rPr lang="sv-SE" u="sng" dirty="0" smtClean="0"/>
-              <a:t>:</a:t>
+              <a:t>Uppdrag:</a:t>
             </a:r>
           </a:p>
           <a:p>
@@ -8189,19 +8077,7 @@
             </a:br>
             <a:r>
               <a:rPr lang="sv-SE" dirty="0" smtClean="0"/>
-              <a:t>	</a:t>
-            </a:r>
-            <a:r>
-              <a:rPr lang="sv-SE" dirty="0" smtClean="0"/>
-              <a:t>- </a:t>
-            </a:r>
-            <a:r>
-              <a:rPr lang="sv-SE" dirty="0" smtClean="0"/>
-              <a:t>Konstruera </a:t>
-            </a:r>
-            <a:r>
-              <a:rPr lang="sv-SE" dirty="0" smtClean="0"/>
-              <a:t>en kamprobot</a:t>
+              <a:t>	- Konstruera en kamprobot</a:t>
             </a:r>
           </a:p>
           <a:p>
@@ -8217,11 +8093,7 @@
             </a:br>
             <a:r>
               <a:rPr lang="sv-SE" u="sng" dirty="0" smtClean="0"/>
-              <a:t>Budget</a:t>
-            </a:r>
-            <a:r>
-              <a:rPr lang="sv-SE" u="sng" dirty="0" smtClean="0"/>
-              <a:t>:</a:t>
+              <a:t>Budget:</a:t>
             </a:r>
           </a:p>
           <a:p>
@@ -8237,15 +8109,7 @@
             </a:br>
             <a:r>
               <a:rPr lang="sv-SE" dirty="0" smtClean="0"/>
-              <a:t>	</a:t>
-            </a:r>
-            <a:r>
-              <a:rPr lang="sv-SE" dirty="0" smtClean="0"/>
-              <a:t>- 960 </a:t>
-            </a:r>
-            <a:r>
-              <a:rPr lang="sv-SE" dirty="0" smtClean="0"/>
-              <a:t>timmar sammanlagt</a:t>
+              <a:t>	- 960 timmar sammanlagt</a:t>
             </a:r>
             <a:br>
               <a:rPr lang="sv-SE" dirty="0" smtClean="0"/>
@@ -8421,11 +8285,7 @@
             </a:pPr>
             <a:r>
               <a:rPr lang="sv-SE" dirty="0" smtClean="0"/>
-              <a:t>Autonom </a:t>
-            </a:r>
-            <a:r>
-              <a:rPr lang="sv-SE" dirty="0" smtClean="0"/>
-              <a:t>kamprobot</a:t>
+              <a:t>Autonom kamprobot</a:t>
             </a:r>
           </a:p>
           <a:p>
@@ -8442,11 +8302,7 @@
             </a:pPr>
             <a:r>
               <a:rPr lang="sv-SE" dirty="0" smtClean="0"/>
-              <a:t>Teknisk </a:t>
-            </a:r>
-            <a:r>
-              <a:rPr lang="sv-SE" dirty="0" smtClean="0"/>
-              <a:t>dokumentation</a:t>
+              <a:t>Teknisk dokumentation</a:t>
             </a:r>
           </a:p>
           <a:p>
@@ -8480,8 +8336,17 @@
             </a:pPr>
             <a:r>
               <a:rPr lang="sv-SE" dirty="0" smtClean="0"/>
-              <a:t>Mjukvara till PC</a:t>
-            </a:r>
+              <a:t>Mjukvara </a:t>
+            </a:r>
+            <a:r>
+              <a:rPr lang="sv-SE" smtClean="0"/>
+              <a:t>till </a:t>
+            </a:r>
+            <a:r>
+              <a:rPr lang="sv-SE" smtClean="0"/>
+              <a:t>persondator</a:t>
+            </a:r>
+            <a:endParaRPr lang="sv-SE" dirty="0" smtClean="0"/>
           </a:p>
           <a:p>
             <a:pPr marL="137160" indent="0">
@@ -9194,15 +9059,7 @@
           <a:p>
             <a:r>
               <a:rPr lang="sv-SE" dirty="0" smtClean="0"/>
-              <a:t>Sensorenheten – </a:t>
-            </a:r>
-            <a:r>
-              <a:rPr lang="sv-SE" dirty="0" smtClean="0"/>
-              <a:t>”Sinnena</a:t>
-            </a:r>
-            <a:r>
-              <a:rPr lang="sv-SE" dirty="0" smtClean="0"/>
-              <a:t>”</a:t>
+              <a:t>Sensorenheten – ”Sinnena”</a:t>
             </a:r>
             <a:endParaRPr lang="sv-SE" dirty="0"/>
           </a:p>

--- a/docs/TSEA29-presentation-v.01.pptx
+++ b/docs/TSEA29-presentation-v.01.pptx
@@ -156,6 +156,32 @@
 </p:presentation>
 </file>
 
+<file path=ppt/commentAuthors.xml><?xml version="1.0" encoding="utf-8"?>
+<p:cmAuthorLst xmlns:a="http://schemas.openxmlformats.org/drawingml/2006/main" xmlns:r="http://schemas.openxmlformats.org/officeDocument/2006/relationships" xmlns:p="http://schemas.openxmlformats.org/presentationml/2006/main">
+  <p:cmAuthor id="1" name="Johan Olin" initials="JO" lastIdx="2" clrIdx="0">
+    <p:extLst>
+      <p:ext uri="{19B8F6BF-5375-455C-9EA6-DF929625EA0E}">
+        <p15:presenceInfo xmlns:p15="http://schemas.microsoft.com/office/powerpoint/2012/main" userId="f5ee6c3b969423b6" providerId="Windows Live"/>
+      </p:ext>
+    </p:extLst>
+  </p:cmAuthor>
+</p:cmAuthorLst>
+</file>
+
+<file path=ppt/comments/comment1.xml><?xml version="1.0" encoding="utf-8"?>
+<p:cmLst xmlns:a="http://schemas.openxmlformats.org/drawingml/2006/main" xmlns:r="http://schemas.openxmlformats.org/officeDocument/2006/relationships" xmlns:p="http://schemas.openxmlformats.org/presentationml/2006/main">
+  <p:cm authorId="1" dt="2015-12-18T00:05:02.284" idx="2">
+    <p:pos x="10" y="10"/>
+    <p:text>Om vi har tid kan man beskriva detta i en simplfieread version</p:text>
+    <p:extLst>
+      <p:ext uri="{C676402C-5697-4E1C-873F-D02D1690AC5C}">
+        <p15:threadingInfo xmlns:p15="http://schemas.microsoft.com/office/powerpoint/2012/main" timeZoneBias="-60"/>
+      </p:ext>
+    </p:extLst>
+  </p:cm>
+</p:cmLst>
+</file>
+
 <file path=ppt/handoutMasters/handoutMaster1.xml><?xml version="1.0" encoding="utf-8"?>
 <p:handoutMaster xmlns:a="http://schemas.openxmlformats.org/drawingml/2006/main" xmlns:r="http://schemas.openxmlformats.org/officeDocument/2006/relationships" xmlns:p="http://schemas.openxmlformats.org/presentationml/2006/main">
   <p:cSld>
@@ -794,6 +820,73 @@
     <p:extLst>
       <p:ext uri="{BB962C8B-B14F-4D97-AF65-F5344CB8AC3E}">
         <p14:creationId xmlns:p14="http://schemas.microsoft.com/office/powerpoint/2010/main" val="4207603223"/>
+      </p:ext>
+    </p:extLst>
+  </p:cSld>
+  <p:clrMapOvr>
+    <a:masterClrMapping/>
+  </p:clrMapOvr>
+</p:notes>
+</file>
+
+<file path=ppt/notesSlides/notesSlide3.xml><?xml version="1.0" encoding="utf-8"?>
+<p:notes xmlns:a="http://schemas.openxmlformats.org/drawingml/2006/main" xmlns:r="http://schemas.openxmlformats.org/officeDocument/2006/relationships" xmlns:p="http://schemas.openxmlformats.org/presentationml/2006/main">
+  <p:cSld>
+    <p:spTree>
+      <p:nvGrpSpPr>
+        <p:cNvPr id="1" name=""/>
+        <p:cNvGrpSpPr/>
+        <p:nvPr/>
+      </p:nvGrpSpPr>
+      <p:grpSpPr>
+        <a:xfrm>
+          <a:off x="0" y="0"/>
+          <a:ext cx="0" cy="0"/>
+          <a:chOff x="0" y="0"/>
+          <a:chExt cx="0" cy="0"/>
+        </a:xfrm>
+      </p:grpSpPr>
+      <p:sp>
+        <p:nvSpPr>
+          <p:cNvPr id="2" name="Platshållare för bildobjekt 1"/>
+          <p:cNvSpPr>
+            <a:spLocks noGrp="1" noRot="1" noChangeAspect="1"/>
+          </p:cNvSpPr>
+          <p:nvPr>
+            <p:ph type="sldImg"/>
+          </p:nvPr>
+        </p:nvSpPr>
+        <p:spPr/>
+      </p:sp>
+      <p:sp>
+        <p:nvSpPr>
+          <p:cNvPr id="3" name="Platshållare för anteckningar 2"/>
+          <p:cNvSpPr>
+            <a:spLocks noGrp="1"/>
+          </p:cNvSpPr>
+          <p:nvPr>
+            <p:ph type="body" idx="1"/>
+          </p:nvPr>
+        </p:nvSpPr>
+        <p:spPr/>
+        <p:txBody>
+          <a:bodyPr/>
+          <a:lstStyle/>
+          <a:p>
+            <a:r>
+              <a:rPr lang="sv-SE" dirty="0" smtClean="0"/>
+              <a:t>Om vi har tid kan man beskriva detta i en simplifierad version</a:t>
+            </a:r>
+          </a:p>
+          <a:p>
+            <a:endParaRPr lang="en-US" dirty="0"/>
+          </a:p>
+        </p:txBody>
+      </p:sp>
+    </p:spTree>
+    <p:extLst>
+      <p:ext uri="{BB962C8B-B14F-4D97-AF65-F5344CB8AC3E}">
+        <p14:creationId xmlns:p14="http://schemas.microsoft.com/office/powerpoint/2010/main" val="1774050290"/>
       </p:ext>
     </p:extLst>
   </p:cSld>
@@ -4841,7 +4934,7 @@
           <p:nvPr/>
         </p:nvPicPr>
         <p:blipFill>
-          <a:blip r:embed="rId2">
+          <a:blip r:embed="rId3">
             <a:extLst>
               <a:ext uri="{28A0092B-C50C-407E-A947-70E740481C1C}">
                 <a14:useLocalDpi xmlns:a14="http://schemas.microsoft.com/office/drawing/2010/main" val="0"/>
@@ -4864,54 +4957,32 @@
       </p:pic>
       <p:pic>
         <p:nvPicPr>
-          <p:cNvPr id="1026" name="Picture 2" descr="tävlings flowchart.png"/>
+          <p:cNvPr id="7" name="Bildobjekt 6"/>
           <p:cNvPicPr>
-            <a:picLocks noChangeAspect="1" noChangeArrowheads="1"/>
+            <a:picLocks noChangeAspect="1"/>
           </p:cNvPicPr>
           <p:nvPr/>
         </p:nvPicPr>
         <p:blipFill>
-          <a:blip r:embed="rId3">
+          <a:blip r:embed="rId4">
             <a:extLst>
               <a:ext uri="{28A0092B-C50C-407E-A947-70E740481C1C}">
                 <a14:useLocalDpi xmlns:a14="http://schemas.microsoft.com/office/drawing/2010/main" val="0"/>
               </a:ext>
             </a:extLst>
           </a:blip>
-          <a:srcRect/>
           <a:stretch>
             <a:fillRect/>
           </a:stretch>
         </p:blipFill>
-        <p:spPr bwMode="auto">
+        <p:spPr>
           <a:xfrm>
-            <a:off x="2762040" y="1417638"/>
-            <a:ext cx="6667919" cy="5073026"/>
+            <a:off x="2533153" y="1332729"/>
+            <a:ext cx="7125694" cy="5525271"/>
           </a:xfrm>
           <a:prstGeom prst="rect">
             <a:avLst/>
           </a:prstGeom>
-          <a:ln w="228600" cap="sq" cmpd="thickThin">
-            <a:solidFill>
-              <a:srgbClr val="000000"/>
-            </a:solidFill>
-            <a:prstDash val="solid"/>
-            <a:miter lim="800000"/>
-          </a:ln>
-          <a:effectLst>
-            <a:innerShdw blurRad="76200">
-              <a:srgbClr val="000000"/>
-            </a:innerShdw>
-          </a:effectLst>
-          <a:extLst>
-            <a:ext uri="{909E8E84-426E-40DD-AFC4-6F175D3DCCD1}">
-              <a14:hiddenFill xmlns:a14="http://schemas.microsoft.com/office/drawing/2010/main">
-                <a:solidFill>
-                  <a:srgbClr val="FFFFFF"/>
-                </a:solidFill>
-              </a14:hiddenFill>
-            </a:ext>
-          </a:extLst>
         </p:spPr>
       </p:pic>
     </p:spTree>
@@ -8340,11 +8411,7 @@
             </a:r>
             <a:r>
               <a:rPr lang="sv-SE" smtClean="0"/>
-              <a:t>till </a:t>
-            </a:r>
-            <a:r>
-              <a:rPr lang="sv-SE" smtClean="0"/>
-              <a:t>persondator</a:t>
+              <a:t>till persondator</a:t>
             </a:r>
             <a:endParaRPr lang="sv-SE" dirty="0" smtClean="0"/>
           </a:p>

--- a/docs/TSEA29-presentation-v.01.pptx
+++ b/docs/TSEA29-presentation-v.01.pptx
@@ -268,7 +268,7 @@
           <a:p>
             <a:fld id="{92206B37-F95E-459A-92E2-3A3D95FFBC5E}" type="datetime1">
               <a:rPr lang="sv-SE" smtClean="0"/>
-              <a:t>2015-12-17</a:t>
+              <a:t>2015-12-18</a:t>
             </a:fld>
             <a:endParaRPr lang="sv-SE"/>
           </a:p>
@@ -438,7 +438,7 @@
           <a:p>
             <a:fld id="{DF652A02-AEA1-43A1-B1E1-23388C03635E}" type="datetime1">
               <a:rPr lang="sv-SE" smtClean="0"/>
-              <a:t>2015-12-17</a:t>
+              <a:t>2015-12-18</a:t>
             </a:fld>
             <a:endParaRPr lang="sv-SE"/>
           </a:p>
@@ -873,6 +873,67 @@
           <a:bodyPr/>
           <a:lstStyle/>
           <a:p>
+            <a:endParaRPr lang="sv-SE" dirty="0"/>
+          </a:p>
+        </p:txBody>
+      </p:sp>
+    </p:spTree>
+    <p:extLst>
+      <p:ext uri="{BB962C8B-B14F-4D97-AF65-F5344CB8AC3E}">
+        <p14:creationId xmlns:p14="http://schemas.microsoft.com/office/powerpoint/2010/main" val="2851557999"/>
+      </p:ext>
+    </p:extLst>
+  </p:cSld>
+  <p:clrMapOvr>
+    <a:masterClrMapping/>
+  </p:clrMapOvr>
+</p:notes>
+</file>
+
+<file path=ppt/notesSlides/notesSlide4.xml><?xml version="1.0" encoding="utf-8"?>
+<p:notes xmlns:a="http://schemas.openxmlformats.org/drawingml/2006/main" xmlns:r="http://schemas.openxmlformats.org/officeDocument/2006/relationships" xmlns:p="http://schemas.openxmlformats.org/presentationml/2006/main">
+  <p:cSld>
+    <p:spTree>
+      <p:nvGrpSpPr>
+        <p:cNvPr id="1" name=""/>
+        <p:cNvGrpSpPr/>
+        <p:nvPr/>
+      </p:nvGrpSpPr>
+      <p:grpSpPr>
+        <a:xfrm>
+          <a:off x="0" y="0"/>
+          <a:ext cx="0" cy="0"/>
+          <a:chOff x="0" y="0"/>
+          <a:chExt cx="0" cy="0"/>
+        </a:xfrm>
+      </p:grpSpPr>
+      <p:sp>
+        <p:nvSpPr>
+          <p:cNvPr id="2" name="Platshållare för bildobjekt 1"/>
+          <p:cNvSpPr>
+            <a:spLocks noGrp="1" noRot="1" noChangeAspect="1"/>
+          </p:cNvSpPr>
+          <p:nvPr>
+            <p:ph type="sldImg"/>
+          </p:nvPr>
+        </p:nvSpPr>
+        <p:spPr/>
+      </p:sp>
+      <p:sp>
+        <p:nvSpPr>
+          <p:cNvPr id="3" name="Platshållare för anteckningar 2"/>
+          <p:cNvSpPr>
+            <a:spLocks noGrp="1"/>
+          </p:cNvSpPr>
+          <p:nvPr>
+            <p:ph type="body" idx="1"/>
+          </p:nvPr>
+        </p:nvSpPr>
+        <p:spPr/>
+        <p:txBody>
+          <a:bodyPr/>
+          <a:lstStyle/>
+          <a:p>
             <a:r>
               <a:rPr lang="sv-SE" dirty="0" smtClean="0"/>
               <a:t>Om vi har tid kan man beskriva detta i en simplifierad version</a:t>
@@ -1007,7 +1068,7 @@
           <a:p>
             <a:fld id="{01FFC9F0-380B-4836-B484-B7E1886CF47D}" type="datetime1">
               <a:rPr lang="sv-SE" smtClean="0"/>
-              <a:t>2015-12-17</a:t>
+              <a:t>2015-12-18</a:t>
             </a:fld>
             <a:endParaRPr lang="sv-SE"/>
           </a:p>
@@ -1234,7 +1295,7 @@
           <a:p>
             <a:fld id="{01FFC9F0-380B-4836-B484-B7E1886CF47D}" type="datetime1">
               <a:rPr lang="sv-SE" smtClean="0"/>
-              <a:t>2015-12-17</a:t>
+              <a:t>2015-12-18</a:t>
             </a:fld>
             <a:endParaRPr lang="sv-SE"/>
           </a:p>
@@ -1410,7 +1471,7 @@
           <a:p>
             <a:fld id="{01FFC9F0-380B-4836-B484-B7E1886CF47D}" type="datetime1">
               <a:rPr lang="sv-SE" smtClean="0"/>
-              <a:t>2015-12-17</a:t>
+              <a:t>2015-12-18</a:t>
             </a:fld>
             <a:endParaRPr lang="sv-SE"/>
           </a:p>
@@ -1576,7 +1637,7 @@
           <a:p>
             <a:fld id="{01FFC9F0-380B-4836-B484-B7E1886CF47D}" type="datetime1">
               <a:rPr lang="sv-SE" smtClean="0"/>
-              <a:t>2015-12-17</a:t>
+              <a:t>2015-12-18</a:t>
             </a:fld>
             <a:endParaRPr lang="sv-SE"/>
           </a:p>
@@ -1821,7 +1882,7 @@
           <a:p>
             <a:fld id="{01FFC9F0-380B-4836-B484-B7E1886CF47D}" type="datetime1">
               <a:rPr lang="sv-SE" smtClean="0"/>
-              <a:t>2015-12-17</a:t>
+              <a:t>2015-12-18</a:t>
             </a:fld>
             <a:endParaRPr lang="sv-SE"/>
           </a:p>
@@ -2086,7 +2147,7 @@
           <a:p>
             <a:fld id="{01FFC9F0-380B-4836-B484-B7E1886CF47D}" type="datetime1">
               <a:rPr lang="sv-SE" smtClean="0"/>
-              <a:t>2015-12-17</a:t>
+              <a:t>2015-12-18</a:t>
             </a:fld>
             <a:endParaRPr lang="sv-SE"/>
           </a:p>
@@ -2461,7 +2522,7 @@
           <a:p>
             <a:fld id="{01FFC9F0-380B-4836-B484-B7E1886CF47D}" type="datetime1">
               <a:rPr lang="sv-SE" smtClean="0"/>
-              <a:t>2015-12-17</a:t>
+              <a:t>2015-12-18</a:t>
             </a:fld>
             <a:endParaRPr lang="sv-SE"/>
           </a:p>
@@ -2575,7 +2636,7 @@
           <a:p>
             <a:fld id="{01FFC9F0-380B-4836-B484-B7E1886CF47D}" type="datetime1">
               <a:rPr lang="sv-SE" smtClean="0"/>
-              <a:t>2015-12-17</a:t>
+              <a:t>2015-12-18</a:t>
             </a:fld>
             <a:endParaRPr lang="sv-SE"/>
           </a:p>
@@ -2666,7 +2727,7 @@
           <a:p>
             <a:fld id="{01FFC9F0-380B-4836-B484-B7E1886CF47D}" type="datetime1">
               <a:rPr lang="sv-SE" smtClean="0"/>
-              <a:t>2015-12-17</a:t>
+              <a:t>2015-12-18</a:t>
             </a:fld>
             <a:endParaRPr lang="sv-SE"/>
           </a:p>
@@ -2925,7 +2986,7 @@
           <a:p>
             <a:fld id="{01FFC9F0-380B-4836-B484-B7E1886CF47D}" type="datetime1">
               <a:rPr lang="sv-SE" smtClean="0"/>
-              <a:t>2015-12-17</a:t>
+              <a:t>2015-12-18</a:t>
             </a:fld>
             <a:endParaRPr lang="sv-SE"/>
           </a:p>
@@ -3190,7 +3251,7 @@
           <a:p>
             <a:fld id="{01FFC9F0-380B-4836-B484-B7E1886CF47D}" type="datetime1">
               <a:rPr lang="sv-SE" smtClean="0"/>
-              <a:t>2015-12-17</a:t>
+              <a:t>2015-12-18</a:t>
             </a:fld>
             <a:endParaRPr lang="sv-SE"/>
           </a:p>
@@ -3408,7 +3469,7 @@
           <a:p>
             <a:fld id="{01FFC9F0-380B-4836-B484-B7E1886CF47D}" type="datetime1">
               <a:rPr lang="sv-SE" smtClean="0"/>
-              <a:t>2015-12-17</a:t>
+              <a:t>2015-12-18</a:t>
             </a:fld>
             <a:endParaRPr lang="sv-SE"/>
           </a:p>
@@ -8461,7 +8522,7 @@
           <p:nvPr/>
         </p:nvPicPr>
         <p:blipFill>
-          <a:blip r:embed="rId2">
+          <a:blip r:embed="rId3">
             <a:extLst>
               <a:ext uri="{28A0092B-C50C-407E-A947-70E740481C1C}">
                 <a14:useLocalDpi xmlns:a14="http://schemas.microsoft.com/office/drawing/2010/main" val="0"/>
@@ -8653,8 +8714,9 @@
             </a:pPr>
             <a:r>
               <a:rPr lang="sv-SE" dirty="0" smtClean="0"/>
-              <a:t>Kollisionssäker </a:t>
-            </a:r>
+              <a:t>Kollisionssäker*</a:t>
+            </a:r>
+            <a:endParaRPr lang="sv-SE" dirty="0" smtClean="0"/>
           </a:p>
           <a:p>
             <a:pPr lvl="1"/>
@@ -8664,7 +8726,7 @@
             <a:pPr marL="137160" indent="0">
               <a:buNone/>
             </a:pPr>
-            <a:endParaRPr lang="sv-SE" dirty="0"/>
+            <a:endParaRPr lang="sv-SE" sz="1300" dirty="0"/>
           </a:p>
           <a:p>
             <a:pPr marL="137160" indent="0">
@@ -8768,6 +8830,40 @@
           </a:effectLst>
         </p:spPr>
       </p:pic>
+      <p:sp>
+        <p:nvSpPr>
+          <p:cNvPr id="7" name="textruta 6"/>
+          <p:cNvSpPr txBox="1"/>
+          <p:nvPr/>
+        </p:nvSpPr>
+        <p:spPr>
+          <a:xfrm>
+            <a:off x="695030" y="6397685"/>
+            <a:ext cx="3656770" cy="369332"/>
+          </a:xfrm>
+          <a:prstGeom prst="rect">
+            <a:avLst/>
+          </a:prstGeom>
+          <a:noFill/>
+        </p:spPr>
+        <p:txBody>
+          <a:bodyPr wrap="none" rtlCol="0">
+            <a:spAutoFit/>
+          </a:bodyPr>
+          <a:lstStyle/>
+          <a:p>
+            <a:r>
+              <a:rPr lang="sv-SE" sz="1000" dirty="0" smtClean="0"/>
+              <a:t>*Väldigt liten chans att kollidera med något framför roboten</a:t>
+            </a:r>
+            <a:r>
+              <a:rPr lang="sv-SE" dirty="0" smtClean="0"/>
+              <a:t> </a:t>
+            </a:r>
+            <a:endParaRPr lang="sv-SE" dirty="0"/>
+          </a:p>
+        </p:txBody>
+      </p:sp>
     </p:spTree>
     <p:extLst>
       <p:ext uri="{BB962C8B-B14F-4D97-AF65-F5344CB8AC3E}">
